--- a/Design/Subsystems/Force Sensor.pptx
+++ b/Design/Subsystems/Force Sensor.pptx
@@ -5,7 +5,8 @@
     <p:sldMasterId id="2147483648" r:id="rId1"/>
   </p:sldMasterIdLst>
   <p:sldIdLst>
-    <p:sldId id="256" r:id="rId2"/>
+    <p:sldId id="257" r:id="rId2"/>
+    <p:sldId id="256" r:id="rId3"/>
   </p:sldIdLst>
   <p:sldSz cx="9144000" cy="6858000" type="screen4x3"/>
   <p:notesSz cx="6858000" cy="9144000"/>
@@ -3222,6 +3223,740 @@
             <a:r>
               <a:rPr lang="en-US" dirty="0" smtClean="0"/>
               <a:t>Force Sensor Subsystem Diagram</a:t>
+            </a:r>
+            <a:endParaRPr lang="en-US" dirty="0"/>
+          </a:p>
+        </p:txBody>
+      </p:sp>
+      <p:sp>
+        <p:nvSpPr>
+          <p:cNvPr id="4" name="Rectangle 3"/>
+          <p:cNvSpPr/>
+          <p:nvPr/>
+        </p:nvSpPr>
+        <p:spPr>
+          <a:xfrm rot="5400000">
+            <a:off x="457200" y="3733800"/>
+            <a:ext cx="1447800" cy="685800"/>
+          </a:xfrm>
+          <a:prstGeom prst="rect">
+            <a:avLst/>
+          </a:prstGeom>
+        </p:spPr>
+        <p:style>
+          <a:lnRef idx="2">
+            <a:schemeClr val="accent1">
+              <a:shade val="50000"/>
+            </a:schemeClr>
+          </a:lnRef>
+          <a:fillRef idx="1">
+            <a:schemeClr val="accent1"/>
+          </a:fillRef>
+          <a:effectRef idx="0">
+            <a:schemeClr val="accent1"/>
+          </a:effectRef>
+          <a:fontRef idx="minor">
+            <a:schemeClr val="lt1"/>
+          </a:fontRef>
+        </p:style>
+        <p:txBody>
+          <a:bodyPr rtlCol="0" anchor="ctr"/>
+          <a:lstStyle/>
+          <a:p>
+            <a:pPr algn="ctr"/>
+            <a:r>
+              <a:rPr lang="en-US" dirty="0" smtClean="0"/>
+              <a:t>Sensor</a:t>
+            </a:r>
+            <a:endParaRPr lang="en-US" dirty="0"/>
+          </a:p>
+        </p:txBody>
+      </p:sp>
+      <p:sp>
+        <p:nvSpPr>
+          <p:cNvPr id="7" name="TextBox 6"/>
+          <p:cNvSpPr txBox="1"/>
+          <p:nvPr/>
+        </p:nvSpPr>
+        <p:spPr>
+          <a:xfrm>
+            <a:off x="799136" y="5193268"/>
+            <a:ext cx="763927" cy="369332"/>
+          </a:xfrm>
+          <a:prstGeom prst="rect">
+            <a:avLst/>
+          </a:prstGeom>
+          <a:noFill/>
+        </p:spPr>
+        <p:txBody>
+          <a:bodyPr wrap="none" rtlCol="0">
+            <a:spAutoFit/>
+          </a:bodyPr>
+          <a:lstStyle/>
+          <a:p>
+            <a:r>
+              <a:rPr lang="en-US" dirty="0" smtClean="0"/>
+              <a:t>¼ NPT</a:t>
+            </a:r>
+            <a:endParaRPr lang="en-US" dirty="0"/>
+          </a:p>
+        </p:txBody>
+      </p:sp>
+      <p:cxnSp>
+        <p:nvCxnSpPr>
+          <p:cNvPr id="17" name="Straight Connector 16"/>
+          <p:cNvCxnSpPr/>
+          <p:nvPr/>
+        </p:nvCxnSpPr>
+        <p:spPr>
+          <a:xfrm flipH="1">
+            <a:off x="1009650" y="1524000"/>
+            <a:ext cx="1244598" cy="0"/>
+          </a:xfrm>
+          <a:prstGeom prst="line">
+            <a:avLst/>
+          </a:prstGeom>
+          <a:ln w="25400">
+            <a:solidFill>
+              <a:srgbClr val="FF0000"/>
+            </a:solidFill>
+          </a:ln>
+        </p:spPr>
+        <p:style>
+          <a:lnRef idx="1">
+            <a:schemeClr val="accent1"/>
+          </a:lnRef>
+          <a:fillRef idx="0">
+            <a:schemeClr val="accent1"/>
+          </a:fillRef>
+          <a:effectRef idx="0">
+            <a:schemeClr val="accent1"/>
+          </a:effectRef>
+          <a:fontRef idx="minor">
+            <a:schemeClr val="tx1"/>
+          </a:fontRef>
+        </p:style>
+      </p:cxnSp>
+      <p:cxnSp>
+        <p:nvCxnSpPr>
+          <p:cNvPr id="19" name="Straight Connector 18"/>
+          <p:cNvCxnSpPr/>
+          <p:nvPr/>
+        </p:nvCxnSpPr>
+        <p:spPr>
+          <a:xfrm>
+            <a:off x="1181099" y="2514600"/>
+            <a:ext cx="1073149" cy="0"/>
+          </a:xfrm>
+          <a:prstGeom prst="line">
+            <a:avLst/>
+          </a:prstGeom>
+          <a:ln w="25400">
+            <a:solidFill>
+              <a:schemeClr val="tx1"/>
+            </a:solidFill>
+          </a:ln>
+        </p:spPr>
+        <p:style>
+          <a:lnRef idx="1">
+            <a:schemeClr val="accent1"/>
+          </a:lnRef>
+          <a:fillRef idx="0">
+            <a:schemeClr val="accent1"/>
+          </a:fillRef>
+          <a:effectRef idx="0">
+            <a:schemeClr val="accent1"/>
+          </a:effectRef>
+          <a:fontRef idx="minor">
+            <a:schemeClr val="tx1"/>
+          </a:fontRef>
+        </p:style>
+      </p:cxnSp>
+      <p:sp>
+        <p:nvSpPr>
+          <p:cNvPr id="21" name="Oval 20"/>
+          <p:cNvSpPr/>
+          <p:nvPr/>
+        </p:nvSpPr>
+        <p:spPr>
+          <a:xfrm>
+            <a:off x="1987548" y="1752600"/>
+            <a:ext cx="533400" cy="533400"/>
+          </a:xfrm>
+          <a:prstGeom prst="ellipse">
+            <a:avLst/>
+          </a:prstGeom>
+          <a:solidFill>
+            <a:schemeClr val="bg1"/>
+          </a:solidFill>
+          <a:ln>
+            <a:solidFill>
+              <a:schemeClr val="tx1"/>
+            </a:solidFill>
+          </a:ln>
+        </p:spPr>
+        <p:style>
+          <a:lnRef idx="2">
+            <a:schemeClr val="accent1">
+              <a:shade val="50000"/>
+            </a:schemeClr>
+          </a:lnRef>
+          <a:fillRef idx="1">
+            <a:schemeClr val="accent1"/>
+          </a:fillRef>
+          <a:effectRef idx="0">
+            <a:schemeClr val="accent1"/>
+          </a:effectRef>
+          <a:fontRef idx="minor">
+            <a:schemeClr val="lt1"/>
+          </a:fontRef>
+        </p:style>
+        <p:txBody>
+          <a:bodyPr rtlCol="0" anchor="ctr"/>
+          <a:lstStyle/>
+          <a:p>
+            <a:pPr algn="ctr"/>
+            <a:r>
+              <a:rPr lang="en-US" sz="700" dirty="0" smtClean="0">
+                <a:solidFill>
+                  <a:schemeClr val="tx1"/>
+                </a:solidFill>
+              </a:rPr>
+              <a:t>+12V</a:t>
+            </a:r>
+            <a:endParaRPr lang="en-US" sz="700" dirty="0">
+              <a:solidFill>
+                <a:schemeClr val="tx1"/>
+              </a:solidFill>
+            </a:endParaRPr>
+          </a:p>
+        </p:txBody>
+      </p:sp>
+      <p:cxnSp>
+        <p:nvCxnSpPr>
+          <p:cNvPr id="23" name="Straight Connector 22"/>
+          <p:cNvCxnSpPr>
+            <a:stCxn id="21" idx="0"/>
+          </p:cNvCxnSpPr>
+          <p:nvPr/>
+        </p:nvCxnSpPr>
+        <p:spPr>
+          <a:xfrm flipV="1">
+            <a:off x="2254248" y="1524000"/>
+            <a:ext cx="0" cy="228600"/>
+          </a:xfrm>
+          <a:prstGeom prst="line">
+            <a:avLst/>
+          </a:prstGeom>
+          <a:ln w="25400">
+            <a:solidFill>
+              <a:srgbClr val="FF0000"/>
+            </a:solidFill>
+          </a:ln>
+        </p:spPr>
+        <p:style>
+          <a:lnRef idx="1">
+            <a:schemeClr val="accent1"/>
+          </a:lnRef>
+          <a:fillRef idx="0">
+            <a:schemeClr val="accent1"/>
+          </a:fillRef>
+          <a:effectRef idx="0">
+            <a:schemeClr val="accent1"/>
+          </a:effectRef>
+          <a:fontRef idx="minor">
+            <a:schemeClr val="tx1"/>
+          </a:fontRef>
+        </p:style>
+      </p:cxnSp>
+      <p:cxnSp>
+        <p:nvCxnSpPr>
+          <p:cNvPr id="27" name="Straight Connector 26"/>
+          <p:cNvCxnSpPr>
+            <a:stCxn id="21" idx="4"/>
+          </p:cNvCxnSpPr>
+          <p:nvPr/>
+        </p:nvCxnSpPr>
+        <p:spPr>
+          <a:xfrm>
+            <a:off x="2254248" y="2286000"/>
+            <a:ext cx="0" cy="228600"/>
+          </a:xfrm>
+          <a:prstGeom prst="line">
+            <a:avLst/>
+          </a:prstGeom>
+          <a:ln w="25400">
+            <a:solidFill>
+              <a:schemeClr val="tx1"/>
+            </a:solidFill>
+          </a:ln>
+        </p:spPr>
+        <p:style>
+          <a:lnRef idx="1">
+            <a:schemeClr val="accent1"/>
+          </a:lnRef>
+          <a:fillRef idx="0">
+            <a:schemeClr val="accent1"/>
+          </a:fillRef>
+          <a:effectRef idx="0">
+            <a:schemeClr val="accent1"/>
+          </a:effectRef>
+          <a:fontRef idx="minor">
+            <a:schemeClr val="tx1"/>
+          </a:fontRef>
+        </p:style>
+      </p:cxnSp>
+      <p:cxnSp>
+        <p:nvCxnSpPr>
+          <p:cNvPr id="31" name="Straight Connector 30"/>
+          <p:cNvCxnSpPr>
+            <a:stCxn id="32" idx="1"/>
+          </p:cNvCxnSpPr>
+          <p:nvPr/>
+        </p:nvCxnSpPr>
+        <p:spPr>
+          <a:xfrm flipH="1">
+            <a:off x="1377952" y="2768600"/>
+            <a:ext cx="2349498" cy="12700"/>
+          </a:xfrm>
+          <a:prstGeom prst="line">
+            <a:avLst/>
+          </a:prstGeom>
+          <a:ln w="25400">
+            <a:solidFill>
+              <a:srgbClr val="92D050"/>
+            </a:solidFill>
+          </a:ln>
+        </p:spPr>
+        <p:style>
+          <a:lnRef idx="1">
+            <a:schemeClr val="accent1"/>
+          </a:lnRef>
+          <a:fillRef idx="0">
+            <a:schemeClr val="accent1"/>
+          </a:fillRef>
+          <a:effectRef idx="0">
+            <a:schemeClr val="accent1"/>
+          </a:effectRef>
+          <a:fontRef idx="minor">
+            <a:schemeClr val="tx1"/>
+          </a:fontRef>
+        </p:style>
+      </p:cxnSp>
+      <p:sp>
+        <p:nvSpPr>
+          <p:cNvPr id="32" name="Rectangle 31"/>
+          <p:cNvSpPr/>
+          <p:nvPr/>
+        </p:nvSpPr>
+        <p:spPr>
+          <a:xfrm>
+            <a:off x="3727450" y="2368550"/>
+            <a:ext cx="914400" cy="800100"/>
+          </a:xfrm>
+          <a:prstGeom prst="rect">
+            <a:avLst/>
+          </a:prstGeom>
+          <a:solidFill>
+            <a:schemeClr val="bg1"/>
+          </a:solidFill>
+          <a:ln>
+            <a:solidFill>
+              <a:schemeClr val="tx1"/>
+            </a:solidFill>
+          </a:ln>
+        </p:spPr>
+        <p:style>
+          <a:lnRef idx="2">
+            <a:schemeClr val="accent1">
+              <a:shade val="50000"/>
+            </a:schemeClr>
+          </a:lnRef>
+          <a:fillRef idx="1">
+            <a:schemeClr val="accent1"/>
+          </a:fillRef>
+          <a:effectRef idx="0">
+            <a:schemeClr val="accent1"/>
+          </a:effectRef>
+          <a:fontRef idx="minor">
+            <a:schemeClr val="lt1"/>
+          </a:fontRef>
+        </p:style>
+        <p:txBody>
+          <a:bodyPr rtlCol="0" anchor="ctr"/>
+          <a:lstStyle/>
+          <a:p>
+            <a:pPr algn="ctr"/>
+            <a:r>
+              <a:rPr lang="en-US" dirty="0" smtClean="0">
+                <a:solidFill>
+                  <a:schemeClr val="tx1"/>
+                </a:solidFill>
+              </a:rPr>
+              <a:t>I²C ADC</a:t>
+            </a:r>
+            <a:br>
+              <a:rPr lang="en-US" dirty="0" smtClean="0">
+                <a:solidFill>
+                  <a:schemeClr val="tx1"/>
+                </a:solidFill>
+              </a:rPr>
+            </a:br>
+            <a:r>
+              <a:rPr lang="en-US" dirty="0" smtClean="0">
+                <a:solidFill>
+                  <a:schemeClr val="tx1"/>
+                </a:solidFill>
+              </a:rPr>
+              <a:t>24 bit</a:t>
+            </a:r>
+            <a:endParaRPr lang="en-US" dirty="0">
+              <a:solidFill>
+                <a:schemeClr val="tx1"/>
+              </a:solidFill>
+            </a:endParaRPr>
+          </a:p>
+        </p:txBody>
+      </p:sp>
+      <p:cxnSp>
+        <p:nvCxnSpPr>
+          <p:cNvPr id="18" name="Straight Connector 17"/>
+          <p:cNvCxnSpPr>
+            <a:stCxn id="32" idx="2"/>
+          </p:cNvCxnSpPr>
+          <p:nvPr/>
+        </p:nvCxnSpPr>
+        <p:spPr>
+          <a:xfrm>
+            <a:off x="4184650" y="3168650"/>
+            <a:ext cx="0" cy="717550"/>
+          </a:xfrm>
+          <a:prstGeom prst="line">
+            <a:avLst/>
+          </a:prstGeom>
+          <a:ln w="25400">
+            <a:solidFill>
+              <a:schemeClr val="tx1"/>
+            </a:solidFill>
+          </a:ln>
+        </p:spPr>
+        <p:style>
+          <a:lnRef idx="1">
+            <a:schemeClr val="accent1"/>
+          </a:lnRef>
+          <a:fillRef idx="0">
+            <a:schemeClr val="accent1"/>
+          </a:fillRef>
+          <a:effectRef idx="0">
+            <a:schemeClr val="accent1"/>
+          </a:effectRef>
+          <a:fontRef idx="minor">
+            <a:schemeClr val="tx1"/>
+          </a:fontRef>
+        </p:style>
+      </p:cxnSp>
+      <p:sp>
+        <p:nvSpPr>
+          <p:cNvPr id="22" name="TextBox 21"/>
+          <p:cNvSpPr txBox="1"/>
+          <p:nvPr/>
+        </p:nvSpPr>
+        <p:spPr>
+          <a:xfrm>
+            <a:off x="3765550" y="3898900"/>
+            <a:ext cx="1584536" cy="369332"/>
+          </a:xfrm>
+          <a:prstGeom prst="rect">
+            <a:avLst/>
+          </a:prstGeom>
+          <a:noFill/>
+        </p:spPr>
+        <p:txBody>
+          <a:bodyPr wrap="none" rtlCol="0">
+            <a:spAutoFit/>
+          </a:bodyPr>
+          <a:lstStyle/>
+          <a:p>
+            <a:r>
+              <a:rPr lang="en-US" dirty="0" smtClean="0"/>
+              <a:t>Address </a:t>
+            </a:r>
+            <a:r>
+              <a:rPr lang="en-US" dirty="0" err="1" smtClean="0"/>
+              <a:t>Config</a:t>
+            </a:r>
+            <a:endParaRPr lang="en-US" dirty="0"/>
+          </a:p>
+        </p:txBody>
+      </p:sp>
+      <p:cxnSp>
+        <p:nvCxnSpPr>
+          <p:cNvPr id="24" name="Straight Connector 23"/>
+          <p:cNvCxnSpPr>
+            <a:stCxn id="32" idx="3"/>
+          </p:cNvCxnSpPr>
+          <p:nvPr/>
+        </p:nvCxnSpPr>
+        <p:spPr>
+          <a:xfrm>
+            <a:off x="4641850" y="2768600"/>
+            <a:ext cx="1073149" cy="0"/>
+          </a:xfrm>
+          <a:prstGeom prst="line">
+            <a:avLst/>
+          </a:prstGeom>
+          <a:ln w="25400">
+            <a:solidFill>
+              <a:schemeClr val="tx1"/>
+            </a:solidFill>
+          </a:ln>
+        </p:spPr>
+        <p:style>
+          <a:lnRef idx="1">
+            <a:schemeClr val="accent1"/>
+          </a:lnRef>
+          <a:fillRef idx="0">
+            <a:schemeClr val="accent1"/>
+          </a:fillRef>
+          <a:effectRef idx="0">
+            <a:schemeClr val="accent1"/>
+          </a:effectRef>
+          <a:fontRef idx="minor">
+            <a:schemeClr val="tx1"/>
+          </a:fontRef>
+        </p:style>
+      </p:cxnSp>
+      <p:sp>
+        <p:nvSpPr>
+          <p:cNvPr id="25" name="TextBox 24"/>
+          <p:cNvSpPr txBox="1"/>
+          <p:nvPr/>
+        </p:nvSpPr>
+        <p:spPr>
+          <a:xfrm>
+            <a:off x="4800600" y="2363232"/>
+            <a:ext cx="1427057" cy="369332"/>
+          </a:xfrm>
+          <a:prstGeom prst="rect">
+            <a:avLst/>
+          </a:prstGeom>
+          <a:noFill/>
+        </p:spPr>
+        <p:txBody>
+          <a:bodyPr wrap="none" rtlCol="0">
+            <a:spAutoFit/>
+          </a:bodyPr>
+          <a:lstStyle/>
+          <a:p>
+            <a:r>
+              <a:rPr lang="en-US" smtClean="0"/>
+              <a:t>To </a:t>
+            </a:r>
+            <a:r>
+              <a:rPr lang="en-US" smtClean="0"/>
+              <a:t>I²C Master</a:t>
+            </a:r>
+            <a:endParaRPr lang="en-US" dirty="0"/>
+          </a:p>
+        </p:txBody>
+      </p:sp>
+    </p:spTree>
+    <p:extLst>
+      <p:ext uri="{BB962C8B-B14F-4D97-AF65-F5344CB8AC3E}">
+        <p14:creationId xmlns:p14="http://schemas.microsoft.com/office/powerpoint/2010/main" val="2270964670"/>
+      </p:ext>
+    </p:extLst>
+  </p:cSld>
+  <p:clrMapOvr>
+    <a:masterClrMapping/>
+  </p:clrMapOvr>
+</p:sld>
+</file>
+
+<file path=ppt/slides/slide2.xml><?xml version="1.0" encoding="utf-8"?>
+<p:sld xmlns:a="http://schemas.openxmlformats.org/drawingml/2006/main" xmlns:r="http://schemas.openxmlformats.org/officeDocument/2006/relationships" xmlns:p="http://schemas.openxmlformats.org/presentationml/2006/main">
+  <p:cSld>
+    <p:spTree>
+      <p:nvGrpSpPr>
+        <p:cNvPr id="1" name=""/>
+        <p:cNvGrpSpPr/>
+        <p:nvPr/>
+      </p:nvGrpSpPr>
+      <p:grpSpPr>
+        <a:xfrm>
+          <a:off x="0" y="0"/>
+          <a:ext cx="0" cy="0"/>
+          <a:chOff x="0" y="0"/>
+          <a:chExt cx="0" cy="0"/>
+        </a:xfrm>
+      </p:grpSpPr>
+      <p:cxnSp>
+        <p:nvCxnSpPr>
+          <p:cNvPr id="11" name="Straight Connector 10"/>
+          <p:cNvCxnSpPr/>
+          <p:nvPr/>
+        </p:nvCxnSpPr>
+        <p:spPr>
+          <a:xfrm flipV="1">
+            <a:off x="1009650" y="1524000"/>
+            <a:ext cx="0" cy="1828800"/>
+          </a:xfrm>
+          <a:prstGeom prst="line">
+            <a:avLst/>
+          </a:prstGeom>
+          <a:ln w="25400">
+            <a:solidFill>
+              <a:srgbClr val="FF0000"/>
+            </a:solidFill>
+          </a:ln>
+        </p:spPr>
+        <p:style>
+          <a:lnRef idx="1">
+            <a:schemeClr val="accent1"/>
+          </a:lnRef>
+          <a:fillRef idx="0">
+            <a:schemeClr val="accent1"/>
+          </a:fillRef>
+          <a:effectRef idx="0">
+            <a:schemeClr val="accent1"/>
+          </a:effectRef>
+          <a:fontRef idx="minor">
+            <a:schemeClr val="tx1"/>
+          </a:fontRef>
+        </p:style>
+      </p:cxnSp>
+      <p:cxnSp>
+        <p:nvCxnSpPr>
+          <p:cNvPr id="12" name="Straight Connector 11"/>
+          <p:cNvCxnSpPr/>
+          <p:nvPr/>
+        </p:nvCxnSpPr>
+        <p:spPr>
+          <a:xfrm flipH="1" flipV="1">
+            <a:off x="1181099" y="2514600"/>
+            <a:ext cx="1" cy="838200"/>
+          </a:xfrm>
+          <a:prstGeom prst="line">
+            <a:avLst/>
+          </a:prstGeom>
+          <a:ln w="25400">
+            <a:solidFill>
+              <a:schemeClr val="tx1"/>
+            </a:solidFill>
+          </a:ln>
+        </p:spPr>
+        <p:style>
+          <a:lnRef idx="1">
+            <a:schemeClr val="accent1"/>
+          </a:lnRef>
+          <a:fillRef idx="0">
+            <a:schemeClr val="accent1"/>
+          </a:fillRef>
+          <a:effectRef idx="0">
+            <a:schemeClr val="accent1"/>
+          </a:effectRef>
+          <a:fontRef idx="minor">
+            <a:schemeClr val="tx1"/>
+          </a:fontRef>
+        </p:style>
+      </p:cxnSp>
+      <p:cxnSp>
+        <p:nvCxnSpPr>
+          <p:cNvPr id="14" name="Straight Connector 13"/>
+          <p:cNvCxnSpPr/>
+          <p:nvPr/>
+        </p:nvCxnSpPr>
+        <p:spPr>
+          <a:xfrm flipH="1" flipV="1">
+            <a:off x="1377951" y="2781300"/>
+            <a:ext cx="1" cy="571500"/>
+          </a:xfrm>
+          <a:prstGeom prst="line">
+            <a:avLst/>
+          </a:prstGeom>
+          <a:ln w="25400">
+            <a:solidFill>
+              <a:srgbClr val="92D050"/>
+            </a:solidFill>
+          </a:ln>
+        </p:spPr>
+        <p:style>
+          <a:lnRef idx="1">
+            <a:schemeClr val="accent1"/>
+          </a:lnRef>
+          <a:fillRef idx="0">
+            <a:schemeClr val="accent1"/>
+          </a:fillRef>
+          <a:effectRef idx="0">
+            <a:schemeClr val="accent1"/>
+          </a:effectRef>
+          <a:fontRef idx="minor">
+            <a:schemeClr val="tx1"/>
+          </a:fontRef>
+        </p:style>
+      </p:cxnSp>
+      <p:sp>
+        <p:nvSpPr>
+          <p:cNvPr id="5" name="Rectangle 4"/>
+          <p:cNvSpPr/>
+          <p:nvPr/>
+        </p:nvSpPr>
+        <p:spPr>
+          <a:xfrm>
+            <a:off x="1009650" y="4724400"/>
+            <a:ext cx="342900" cy="457200"/>
+          </a:xfrm>
+          <a:prstGeom prst="rect">
+            <a:avLst/>
+          </a:prstGeom>
+        </p:spPr>
+        <p:style>
+          <a:lnRef idx="2">
+            <a:schemeClr val="accent1">
+              <a:shade val="50000"/>
+            </a:schemeClr>
+          </a:lnRef>
+          <a:fillRef idx="1">
+            <a:schemeClr val="accent1"/>
+          </a:fillRef>
+          <a:effectRef idx="0">
+            <a:schemeClr val="accent1"/>
+          </a:effectRef>
+          <a:fontRef idx="minor">
+            <a:schemeClr val="lt1"/>
+          </a:fontRef>
+        </p:style>
+        <p:txBody>
+          <a:bodyPr rtlCol="0" anchor="ctr"/>
+          <a:lstStyle/>
+          <a:p>
+            <a:pPr algn="ctr"/>
+            <a:endParaRPr lang="en-US"/>
+          </a:p>
+        </p:txBody>
+      </p:sp>
+      <p:sp>
+        <p:nvSpPr>
+          <p:cNvPr id="2" name="Title 1"/>
+          <p:cNvSpPr>
+            <a:spLocks noGrp="1"/>
+          </p:cNvSpPr>
+          <p:nvPr>
+            <p:ph type="title"/>
+          </p:nvPr>
+        </p:nvSpPr>
+        <p:spPr/>
+        <p:txBody>
+          <a:bodyPr/>
+          <a:lstStyle/>
+          <a:p>
+            <a:r>
+              <a:rPr lang="en-US" dirty="0" smtClean="0"/>
+              <a:t>Force Sensor Subsystem </a:t>
+            </a:r>
+            <a:r>
+              <a:rPr lang="en-US" dirty="0" smtClean="0"/>
+              <a:t>Schematic</a:t>
             </a:r>
             <a:endParaRPr lang="en-US" dirty="0"/>
           </a:p>
